--- a/test.pptx
+++ b/test.pptx
@@ -5,12 +5,12 @@
     <p:sldMasterId id="2147483648" r:id="rId1"/>
   </p:sldMasterIdLst>
   <p:sldIdLst>
-    <p:sldId id="256" r:id="rId7"/>
-    <p:sldId id="257" r:id="rId8"/>
-    <p:sldId id="258" r:id="rId9"/>
-    <p:sldId id="259" r:id="rId10"/>
-    <p:sldId id="260" r:id="rId11"/>
-    <p:sldId id="261" r:id="rId12"/>
+    <p:sldId id="256" r:id="rId2"/>
+    <p:sldId id="257" r:id="rId3"/>
+    <p:sldId id="258" r:id="rId4"/>
+    <p:sldId id="259" r:id="rId5"/>
+    <p:sldId id="260" r:id="rId6"/>
+    <p:sldId id="262" r:id="rId7"/>
   </p:sldIdLst>
   <p:sldSz cx="9144000" cy="6858000" type="screen4x3"/>
   <p:notesSz cx="6858000" cy="9144000"/>
@@ -109,6 +109,22 @@
       </a:defRPr>
     </a:lvl9pPr>
   </p:defaultTextStyle>
+  <p:extLst>
+    <p:ext uri="{EFAFB233-063F-42B5-8137-9DF3F51BA10A}">
+      <p15:sldGuideLst xmlns:p15="http://schemas.microsoft.com/office/powerpoint/2012/main">
+        <p15:guide id="1" orient="horz" pos="2160">
+          <p15:clr>
+            <a:srgbClr val="A4A3A4"/>
+          </p15:clr>
+        </p15:guide>
+        <p15:guide id="2" pos="2880">
+          <p15:clr>
+            <a:srgbClr val="A4A3A4"/>
+          </p15:clr>
+        </p15:guide>
+      </p15:sldGuideLst>
+    </p:ext>
+  </p:extLst>
 </p:presentation>
 </file>
 
@@ -150,10 +166,9 @@
           <a:lstStyle/>
           <a:p>
             <a:r>
-              <a:rPr lang="en-US" smtClean="0"/>
+              <a:rPr lang="en-US"/>
               <a:t>Click to edit Master title style</a:t>
             </a:r>
-            <a:endParaRPr lang="en-US"/>
           </a:p>
         </p:txBody>
       </p:sp>
@@ -269,10 +284,9 @@
           </a:lstStyle>
           <a:p>
             <a:r>
-              <a:rPr lang="en-US" smtClean="0"/>
+              <a:rPr lang="en-US"/>
               <a:t>Click to edit Master subtitle style</a:t>
             </a:r>
-            <a:endParaRPr lang="en-US"/>
           </a:p>
         </p:txBody>
       </p:sp>
@@ -293,7 +307,7 @@
           <a:p>
             <a:fld id="{5BCAD085-E8A6-8845-BD4E-CB4CCA059FC4}" type="datetimeFigureOut">
               <a:rPr lang="en-US" smtClean="0"/>
-              <a:t>1/27/13</a:t>
+              <a:t>2/25/2021</a:t>
             </a:fld>
             <a:endParaRPr lang="en-US"/>
           </a:p>
@@ -387,10 +401,9 @@
           <a:lstStyle/>
           <a:p>
             <a:r>
-              <a:rPr lang="en-US" smtClean="0"/>
+              <a:rPr lang="en-US"/>
               <a:t>Click to edit Master title style</a:t>
             </a:r>
-            <a:endParaRPr lang="en-US"/>
           </a:p>
         </p:txBody>
       </p:sp>
@@ -411,38 +424,37 @@
           <a:p>
             <a:pPr lvl="0"/>
             <a:r>
-              <a:rPr lang="en-US" smtClean="0"/>
+              <a:rPr lang="en-US"/>
               <a:t>Click to edit Master text styles</a:t>
             </a:r>
           </a:p>
           <a:p>
             <a:pPr lvl="1"/>
             <a:r>
-              <a:rPr lang="en-US" smtClean="0"/>
+              <a:rPr lang="en-US"/>
               <a:t>Second level</a:t>
             </a:r>
           </a:p>
           <a:p>
             <a:pPr lvl="2"/>
             <a:r>
-              <a:rPr lang="en-US" smtClean="0"/>
+              <a:rPr lang="en-US"/>
               <a:t>Third level</a:t>
             </a:r>
           </a:p>
           <a:p>
             <a:pPr lvl="3"/>
             <a:r>
-              <a:rPr lang="en-US" smtClean="0"/>
+              <a:rPr lang="en-US"/>
               <a:t>Fourth level</a:t>
             </a:r>
           </a:p>
           <a:p>
             <a:pPr lvl="4"/>
             <a:r>
-              <a:rPr lang="en-US" smtClean="0"/>
+              <a:rPr lang="en-US"/>
               <a:t>Fifth level</a:t>
             </a:r>
-            <a:endParaRPr lang="en-US"/>
           </a:p>
         </p:txBody>
       </p:sp>
@@ -463,7 +475,7 @@
           <a:p>
             <a:fld id="{5BCAD085-E8A6-8845-BD4E-CB4CCA059FC4}" type="datetimeFigureOut">
               <a:rPr lang="en-US" smtClean="0"/>
-              <a:t>1/27/13</a:t>
+              <a:t>2/25/2021</a:t>
             </a:fld>
             <a:endParaRPr lang="en-US"/>
           </a:p>
@@ -562,10 +574,9 @@
           <a:lstStyle/>
           <a:p>
             <a:r>
-              <a:rPr lang="en-US" smtClean="0"/>
+              <a:rPr lang="en-US"/>
               <a:t>Click to edit Master title style</a:t>
             </a:r>
-            <a:endParaRPr lang="en-US"/>
           </a:p>
         </p:txBody>
       </p:sp>
@@ -591,38 +602,37 @@
           <a:p>
             <a:pPr lvl="0"/>
             <a:r>
-              <a:rPr lang="en-US" smtClean="0"/>
+              <a:rPr lang="en-US"/>
               <a:t>Click to edit Master text styles</a:t>
             </a:r>
           </a:p>
           <a:p>
             <a:pPr lvl="1"/>
             <a:r>
-              <a:rPr lang="en-US" smtClean="0"/>
+              <a:rPr lang="en-US"/>
               <a:t>Second level</a:t>
             </a:r>
           </a:p>
           <a:p>
             <a:pPr lvl="2"/>
             <a:r>
-              <a:rPr lang="en-US" smtClean="0"/>
+              <a:rPr lang="en-US"/>
               <a:t>Third level</a:t>
             </a:r>
           </a:p>
           <a:p>
             <a:pPr lvl="3"/>
             <a:r>
-              <a:rPr lang="en-US" smtClean="0"/>
+              <a:rPr lang="en-US"/>
               <a:t>Fourth level</a:t>
             </a:r>
           </a:p>
           <a:p>
             <a:pPr lvl="4"/>
             <a:r>
-              <a:rPr lang="en-US" smtClean="0"/>
+              <a:rPr lang="en-US"/>
               <a:t>Fifth level</a:t>
             </a:r>
-            <a:endParaRPr lang="en-US"/>
           </a:p>
         </p:txBody>
       </p:sp>
@@ -643,7 +653,7 @@
           <a:p>
             <a:fld id="{5BCAD085-E8A6-8845-BD4E-CB4CCA059FC4}" type="datetimeFigureOut">
               <a:rPr lang="en-US" smtClean="0"/>
-              <a:t>1/27/13</a:t>
+              <a:t>2/25/2021</a:t>
             </a:fld>
             <a:endParaRPr lang="en-US"/>
           </a:p>
@@ -737,10 +747,9 @@
           <a:lstStyle/>
           <a:p>
             <a:r>
-              <a:rPr lang="en-US" smtClean="0"/>
+              <a:rPr lang="en-US"/>
               <a:t>Click to edit Master title style</a:t>
             </a:r>
-            <a:endParaRPr lang="en-US"/>
           </a:p>
         </p:txBody>
       </p:sp>
@@ -761,38 +770,37 @@
           <a:p>
             <a:pPr lvl="0"/>
             <a:r>
-              <a:rPr lang="en-US" smtClean="0"/>
+              <a:rPr lang="en-US"/>
               <a:t>Click to edit Master text styles</a:t>
             </a:r>
           </a:p>
           <a:p>
             <a:pPr lvl="1"/>
             <a:r>
-              <a:rPr lang="en-US" smtClean="0"/>
+              <a:rPr lang="en-US"/>
               <a:t>Second level</a:t>
             </a:r>
           </a:p>
           <a:p>
             <a:pPr lvl="2"/>
             <a:r>
-              <a:rPr lang="en-US" smtClean="0"/>
+              <a:rPr lang="en-US"/>
               <a:t>Third level</a:t>
             </a:r>
           </a:p>
           <a:p>
             <a:pPr lvl="3"/>
             <a:r>
-              <a:rPr lang="en-US" smtClean="0"/>
+              <a:rPr lang="en-US"/>
               <a:t>Fourth level</a:t>
             </a:r>
           </a:p>
           <a:p>
             <a:pPr lvl="4"/>
             <a:r>
-              <a:rPr lang="en-US" smtClean="0"/>
+              <a:rPr lang="en-US"/>
               <a:t>Fifth level</a:t>
             </a:r>
-            <a:endParaRPr lang="en-US"/>
           </a:p>
         </p:txBody>
       </p:sp>
@@ -813,7 +821,7 @@
           <a:p>
             <a:fld id="{5BCAD085-E8A6-8845-BD4E-CB4CCA059FC4}" type="datetimeFigureOut">
               <a:rPr lang="en-US" smtClean="0"/>
-              <a:t>1/27/13</a:t>
+              <a:t>2/25/2021</a:t>
             </a:fld>
             <a:endParaRPr lang="en-US"/>
           </a:p>
@@ -916,10 +924,9 @@
           </a:lstStyle>
           <a:p>
             <a:r>
-              <a:rPr lang="en-US" smtClean="0"/>
+              <a:rPr lang="en-US"/>
               <a:t>Click to edit Master title style</a:t>
             </a:r>
-            <a:endParaRPr lang="en-US"/>
           </a:p>
         </p:txBody>
       </p:sp>
@@ -1036,7 +1043,7 @@
           <a:p>
             <a:pPr lvl="0"/>
             <a:r>
-              <a:rPr lang="en-US" smtClean="0"/>
+              <a:rPr lang="en-US"/>
               <a:t>Click to edit Master text styles</a:t>
             </a:r>
           </a:p>
@@ -1059,7 +1066,7 @@
           <a:p>
             <a:fld id="{5BCAD085-E8A6-8845-BD4E-CB4CCA059FC4}" type="datetimeFigureOut">
               <a:rPr lang="en-US" smtClean="0"/>
-              <a:t>1/27/13</a:t>
+              <a:t>2/25/2021</a:t>
             </a:fld>
             <a:endParaRPr lang="en-US"/>
           </a:p>
@@ -1153,10 +1160,9 @@
           <a:lstStyle/>
           <a:p>
             <a:r>
-              <a:rPr lang="en-US" smtClean="0"/>
+              <a:rPr lang="en-US"/>
               <a:t>Click to edit Master title style</a:t>
             </a:r>
-            <a:endParaRPr lang="en-US"/>
           </a:p>
         </p:txBody>
       </p:sp>
@@ -1210,38 +1216,37 @@
           <a:p>
             <a:pPr lvl="0"/>
             <a:r>
-              <a:rPr lang="en-US" smtClean="0"/>
+              <a:rPr lang="en-US"/>
               <a:t>Click to edit Master text styles</a:t>
             </a:r>
           </a:p>
           <a:p>
             <a:pPr lvl="1"/>
             <a:r>
-              <a:rPr lang="en-US" smtClean="0"/>
+              <a:rPr lang="en-US"/>
               <a:t>Second level</a:t>
             </a:r>
           </a:p>
           <a:p>
             <a:pPr lvl="2"/>
             <a:r>
-              <a:rPr lang="en-US" smtClean="0"/>
+              <a:rPr lang="en-US"/>
               <a:t>Third level</a:t>
             </a:r>
           </a:p>
           <a:p>
             <a:pPr lvl="3"/>
             <a:r>
-              <a:rPr lang="en-US" smtClean="0"/>
+              <a:rPr lang="en-US"/>
               <a:t>Fourth level</a:t>
             </a:r>
           </a:p>
           <a:p>
             <a:pPr lvl="4"/>
             <a:r>
-              <a:rPr lang="en-US" smtClean="0"/>
+              <a:rPr lang="en-US"/>
               <a:t>Fifth level</a:t>
             </a:r>
-            <a:endParaRPr lang="en-US"/>
           </a:p>
         </p:txBody>
       </p:sp>
@@ -1295,38 +1300,37 @@
           <a:p>
             <a:pPr lvl="0"/>
             <a:r>
-              <a:rPr lang="en-US" smtClean="0"/>
+              <a:rPr lang="en-US"/>
               <a:t>Click to edit Master text styles</a:t>
             </a:r>
           </a:p>
           <a:p>
             <a:pPr lvl="1"/>
             <a:r>
-              <a:rPr lang="en-US" smtClean="0"/>
+              <a:rPr lang="en-US"/>
               <a:t>Second level</a:t>
             </a:r>
           </a:p>
           <a:p>
             <a:pPr lvl="2"/>
             <a:r>
-              <a:rPr lang="en-US" smtClean="0"/>
+              <a:rPr lang="en-US"/>
               <a:t>Third level</a:t>
             </a:r>
           </a:p>
           <a:p>
             <a:pPr lvl="3"/>
             <a:r>
-              <a:rPr lang="en-US" smtClean="0"/>
+              <a:rPr lang="en-US"/>
               <a:t>Fourth level</a:t>
             </a:r>
           </a:p>
           <a:p>
             <a:pPr lvl="4"/>
             <a:r>
-              <a:rPr lang="en-US" smtClean="0"/>
+              <a:rPr lang="en-US"/>
               <a:t>Fifth level</a:t>
             </a:r>
-            <a:endParaRPr lang="en-US"/>
           </a:p>
         </p:txBody>
       </p:sp>
@@ -1347,7 +1351,7 @@
           <a:p>
             <a:fld id="{5BCAD085-E8A6-8845-BD4E-CB4CCA059FC4}" type="datetimeFigureOut">
               <a:rPr lang="en-US" smtClean="0"/>
-              <a:t>1/27/13</a:t>
+              <a:t>2/25/2021</a:t>
             </a:fld>
             <a:endParaRPr lang="en-US"/>
           </a:p>
@@ -1445,10 +1449,9 @@
           </a:lstStyle>
           <a:p>
             <a:r>
-              <a:rPr lang="en-US" smtClean="0"/>
+              <a:rPr lang="en-US"/>
               <a:t>Click to edit Master title style</a:t>
             </a:r>
-            <a:endParaRPr lang="en-US"/>
           </a:p>
         </p:txBody>
       </p:sp>
@@ -1511,7 +1514,7 @@
           <a:p>
             <a:pPr lvl="0"/>
             <a:r>
-              <a:rPr lang="en-US" smtClean="0"/>
+              <a:rPr lang="en-US"/>
               <a:t>Click to edit Master text styles</a:t>
             </a:r>
           </a:p>
@@ -1567,38 +1570,37 @@
           <a:p>
             <a:pPr lvl="0"/>
             <a:r>
-              <a:rPr lang="en-US" smtClean="0"/>
+              <a:rPr lang="en-US"/>
               <a:t>Click to edit Master text styles</a:t>
             </a:r>
           </a:p>
           <a:p>
             <a:pPr lvl="1"/>
             <a:r>
-              <a:rPr lang="en-US" smtClean="0"/>
+              <a:rPr lang="en-US"/>
               <a:t>Second level</a:t>
             </a:r>
           </a:p>
           <a:p>
             <a:pPr lvl="2"/>
             <a:r>
-              <a:rPr lang="en-US" smtClean="0"/>
+              <a:rPr lang="en-US"/>
               <a:t>Third level</a:t>
             </a:r>
           </a:p>
           <a:p>
             <a:pPr lvl="3"/>
             <a:r>
-              <a:rPr lang="en-US" smtClean="0"/>
+              <a:rPr lang="en-US"/>
               <a:t>Fourth level</a:t>
             </a:r>
           </a:p>
           <a:p>
             <a:pPr lvl="4"/>
             <a:r>
-              <a:rPr lang="en-US" smtClean="0"/>
+              <a:rPr lang="en-US"/>
               <a:t>Fifth level</a:t>
             </a:r>
-            <a:endParaRPr lang="en-US"/>
           </a:p>
         </p:txBody>
       </p:sp>
@@ -1661,7 +1663,7 @@
           <a:p>
             <a:pPr lvl="0"/>
             <a:r>
-              <a:rPr lang="en-US" smtClean="0"/>
+              <a:rPr lang="en-US"/>
               <a:t>Click to edit Master text styles</a:t>
             </a:r>
           </a:p>
@@ -1717,38 +1719,37 @@
           <a:p>
             <a:pPr lvl="0"/>
             <a:r>
-              <a:rPr lang="en-US" smtClean="0"/>
+              <a:rPr lang="en-US"/>
               <a:t>Click to edit Master text styles</a:t>
             </a:r>
           </a:p>
           <a:p>
             <a:pPr lvl="1"/>
             <a:r>
-              <a:rPr lang="en-US" smtClean="0"/>
+              <a:rPr lang="en-US"/>
               <a:t>Second level</a:t>
             </a:r>
           </a:p>
           <a:p>
             <a:pPr lvl="2"/>
             <a:r>
-              <a:rPr lang="en-US" smtClean="0"/>
+              <a:rPr lang="en-US"/>
               <a:t>Third level</a:t>
             </a:r>
           </a:p>
           <a:p>
             <a:pPr lvl="3"/>
             <a:r>
-              <a:rPr lang="en-US" smtClean="0"/>
+              <a:rPr lang="en-US"/>
               <a:t>Fourth level</a:t>
             </a:r>
           </a:p>
           <a:p>
             <a:pPr lvl="4"/>
             <a:r>
-              <a:rPr lang="en-US" smtClean="0"/>
+              <a:rPr lang="en-US"/>
               <a:t>Fifth level</a:t>
             </a:r>
-            <a:endParaRPr lang="en-US"/>
           </a:p>
         </p:txBody>
       </p:sp>
@@ -1769,7 +1770,7 @@
           <a:p>
             <a:fld id="{5BCAD085-E8A6-8845-BD4E-CB4CCA059FC4}" type="datetimeFigureOut">
               <a:rPr lang="en-US" smtClean="0"/>
-              <a:t>1/27/13</a:t>
+              <a:t>2/25/2021</a:t>
             </a:fld>
             <a:endParaRPr lang="en-US"/>
           </a:p>
@@ -1863,10 +1864,9 @@
           <a:lstStyle/>
           <a:p>
             <a:r>
-              <a:rPr lang="en-US" smtClean="0"/>
+              <a:rPr lang="en-US"/>
               <a:t>Click to edit Master title style</a:t>
             </a:r>
-            <a:endParaRPr lang="en-US"/>
           </a:p>
         </p:txBody>
       </p:sp>
@@ -1887,7 +1887,7 @@
           <a:p>
             <a:fld id="{5BCAD085-E8A6-8845-BD4E-CB4CCA059FC4}" type="datetimeFigureOut">
               <a:rPr lang="en-US" smtClean="0"/>
-              <a:t>1/27/13</a:t>
+              <a:t>2/25/2021</a:t>
             </a:fld>
             <a:endParaRPr lang="en-US"/>
           </a:p>
@@ -1982,7 +1982,7 @@
           <a:p>
             <a:fld id="{5BCAD085-E8A6-8845-BD4E-CB4CCA059FC4}" type="datetimeFigureOut">
               <a:rPr lang="en-US" smtClean="0"/>
-              <a:t>1/27/13</a:t>
+              <a:t>2/25/2021</a:t>
             </a:fld>
             <a:endParaRPr lang="en-US"/>
           </a:p>
@@ -2085,10 +2085,9 @@
           </a:lstStyle>
           <a:p>
             <a:r>
-              <a:rPr lang="en-US" smtClean="0"/>
+              <a:rPr lang="en-US"/>
               <a:t>Click to edit Master title style</a:t>
             </a:r>
-            <a:endParaRPr lang="en-US"/>
           </a:p>
         </p:txBody>
       </p:sp>
@@ -2142,38 +2141,37 @@
           <a:p>
             <a:pPr lvl="0"/>
             <a:r>
-              <a:rPr lang="en-US" smtClean="0"/>
+              <a:rPr lang="en-US"/>
               <a:t>Click to edit Master text styles</a:t>
             </a:r>
           </a:p>
           <a:p>
             <a:pPr lvl="1"/>
             <a:r>
-              <a:rPr lang="en-US" smtClean="0"/>
+              <a:rPr lang="en-US"/>
               <a:t>Second level</a:t>
             </a:r>
           </a:p>
           <a:p>
             <a:pPr lvl="2"/>
             <a:r>
-              <a:rPr lang="en-US" smtClean="0"/>
+              <a:rPr lang="en-US"/>
               <a:t>Third level</a:t>
             </a:r>
           </a:p>
           <a:p>
             <a:pPr lvl="3"/>
             <a:r>
-              <a:rPr lang="en-US" smtClean="0"/>
+              <a:rPr lang="en-US"/>
               <a:t>Fourth level</a:t>
             </a:r>
           </a:p>
           <a:p>
             <a:pPr lvl="4"/>
             <a:r>
-              <a:rPr lang="en-US" smtClean="0"/>
+              <a:rPr lang="en-US"/>
               <a:t>Fifth level</a:t>
             </a:r>
-            <a:endParaRPr lang="en-US"/>
           </a:p>
         </p:txBody>
       </p:sp>
@@ -2236,7 +2234,7 @@
           <a:p>
             <a:pPr lvl="0"/>
             <a:r>
-              <a:rPr lang="en-US" smtClean="0"/>
+              <a:rPr lang="en-US"/>
               <a:t>Click to edit Master text styles</a:t>
             </a:r>
           </a:p>
@@ -2259,7 +2257,7 @@
           <a:p>
             <a:fld id="{5BCAD085-E8A6-8845-BD4E-CB4CCA059FC4}" type="datetimeFigureOut">
               <a:rPr lang="en-US" smtClean="0"/>
-              <a:t>1/27/13</a:t>
+              <a:t>2/25/2021</a:t>
             </a:fld>
             <a:endParaRPr lang="en-US"/>
           </a:p>
@@ -2362,10 +2360,9 @@
           </a:lstStyle>
           <a:p>
             <a:r>
-              <a:rPr lang="en-US" smtClean="0"/>
+              <a:rPr lang="en-US"/>
               <a:t>Click to edit Master title style</a:t>
             </a:r>
-            <a:endParaRPr lang="en-US"/>
           </a:p>
         </p:txBody>
       </p:sp>
@@ -2489,7 +2486,7 @@
           <a:p>
             <a:pPr lvl="0"/>
             <a:r>
-              <a:rPr lang="en-US" smtClean="0"/>
+              <a:rPr lang="en-US"/>
               <a:t>Click to edit Master text styles</a:t>
             </a:r>
           </a:p>
@@ -2512,7 +2509,7 @@
           <a:p>
             <a:fld id="{5BCAD085-E8A6-8845-BD4E-CB4CCA059FC4}" type="datetimeFigureOut">
               <a:rPr lang="en-US" smtClean="0"/>
-              <a:t>1/27/13</a:t>
+              <a:t>2/25/2021</a:t>
             </a:fld>
             <a:endParaRPr lang="en-US"/>
           </a:p>
@@ -2621,10 +2618,9 @@
           <a:lstStyle/>
           <a:p>
             <a:r>
-              <a:rPr lang="en-US" smtClean="0"/>
+              <a:rPr lang="en-US"/>
               <a:t>Click to edit Master title style</a:t>
             </a:r>
-            <a:endParaRPr lang="en-US"/>
           </a:p>
         </p:txBody>
       </p:sp>
@@ -2655,38 +2651,37 @@
           <a:p>
             <a:pPr lvl="0"/>
             <a:r>
-              <a:rPr lang="en-US" smtClean="0"/>
+              <a:rPr lang="en-US"/>
               <a:t>Click to edit Master text styles</a:t>
             </a:r>
           </a:p>
           <a:p>
             <a:pPr lvl="1"/>
             <a:r>
-              <a:rPr lang="en-US" smtClean="0"/>
+              <a:rPr lang="en-US"/>
               <a:t>Second level</a:t>
             </a:r>
           </a:p>
           <a:p>
             <a:pPr lvl="2"/>
             <a:r>
-              <a:rPr lang="en-US" smtClean="0"/>
+              <a:rPr lang="en-US"/>
               <a:t>Third level</a:t>
             </a:r>
           </a:p>
           <a:p>
             <a:pPr lvl="3"/>
             <a:r>
-              <a:rPr lang="en-US" smtClean="0"/>
+              <a:rPr lang="en-US"/>
               <a:t>Fourth level</a:t>
             </a:r>
           </a:p>
           <a:p>
             <a:pPr lvl="4"/>
             <a:r>
-              <a:rPr lang="en-US" smtClean="0"/>
+              <a:rPr lang="en-US"/>
               <a:t>Fifth level</a:t>
             </a:r>
-            <a:endParaRPr lang="en-US"/>
           </a:p>
         </p:txBody>
       </p:sp>
@@ -2725,7 +2720,7 @@
           <a:p>
             <a:fld id="{5BCAD085-E8A6-8845-BD4E-CB4CCA059FC4}" type="datetimeFigureOut">
               <a:rPr lang="en-US" smtClean="0"/>
-              <a:t>1/27/13</a:t>
+              <a:t>2/25/2021</a:t>
             </a:fld>
             <a:endParaRPr lang="en-US"/>
           </a:p>
@@ -3084,7 +3079,7 @@
 </file>
 
 <file path=ppt/slides/slide1.xml><?xml version="1.0" encoding="utf-8"?>
-<p:sld xmlns:a="http://schemas.openxmlformats.org/drawingml/2006/main" xmlns:p="http://schemas.openxmlformats.org/presentationml/2006/main" xmlns:r="http://schemas.openxmlformats.org/officeDocument/2006/relationships">
+<p:sld xmlns:a="http://schemas.openxmlformats.org/drawingml/2006/main" xmlns:r="http://schemas.openxmlformats.org/officeDocument/2006/relationships" xmlns:p="http://schemas.openxmlformats.org/presentationml/2006/main">
   <p:cSld>
     <p:spTree>
       <p:nvGrpSpPr>
@@ -3092,7 +3087,14 @@
         <p:cNvGrpSpPr/>
         <p:nvPr/>
       </p:nvGrpSpPr>
-      <p:grpSpPr/>
+      <p:grpSpPr>
+        <a:xfrm>
+          <a:off x="0" y="0"/>
+          <a:ext cx="0" cy="0"/>
+          <a:chOff x="0" y="0"/>
+          <a:chExt cx="0" cy="0"/>
+        </a:xfrm>
+      </p:grpSpPr>
       <p:sp>
         <p:nvSpPr>
           <p:cNvPr id="2" name="Title 1"/>
@@ -3107,7 +3109,11 @@
         <p:txBody>
           <a:bodyPr/>
           <a:lstStyle/>
-          <a:p/>
+          <a:p>
+            <a:r>
+              <a:t>Welcome to PPT Writer!</a:t>
+            </a:r>
+          </a:p>
         </p:txBody>
       </p:sp>
       <p:sp>
@@ -3124,7 +3130,11 @@
         <p:txBody>
           <a:bodyPr/>
           <a:lstStyle/>
-          <a:p/>
+          <a:p>
+            <a:r>
+              <a:t>This is a test</a:t>
+            </a:r>
+          </a:p>
         </p:txBody>
       </p:sp>
     </p:spTree>
@@ -3136,7 +3146,7 @@
 </file>
 
 <file path=ppt/slides/slide2.xml><?xml version="1.0" encoding="utf-8"?>
-<p:sld xmlns:a="http://schemas.openxmlformats.org/drawingml/2006/main" xmlns:p="http://schemas.openxmlformats.org/presentationml/2006/main" xmlns:r="http://schemas.openxmlformats.org/officeDocument/2006/relationships">
+<p:sld xmlns:a="http://schemas.openxmlformats.org/drawingml/2006/main" xmlns:r="http://schemas.openxmlformats.org/officeDocument/2006/relationships" xmlns:p="http://schemas.openxmlformats.org/presentationml/2006/main">
   <p:cSld>
     <p:spTree>
       <p:nvGrpSpPr>
@@ -3144,7 +3154,14 @@
         <p:cNvGrpSpPr/>
         <p:nvPr/>
       </p:nvGrpSpPr>
-      <p:grpSpPr/>
+      <p:grpSpPr>
+        <a:xfrm>
+          <a:off x="0" y="0"/>
+          <a:ext cx="0" cy="0"/>
+          <a:chOff x="0" y="0"/>
+          <a:chExt cx="0" cy="0"/>
+        </a:xfrm>
+      </p:grpSpPr>
       <p:sp>
         <p:nvSpPr>
           <p:cNvPr id="2" name="Title 1"/>
@@ -3152,49 +3169,37 @@
             <a:spLocks noGrp="1"/>
           </p:cNvSpPr>
           <p:nvPr>
-            <p:ph type="title"/>
-          </p:nvPr>
-        </p:nvSpPr>
-        <p:spPr/>
-        <p:txBody>
-          <a:bodyPr/>
-          <a:lstStyle/>
-          <a:p>
-            <a:r>
-              <a:t>C</a:t>
-            </a:r>
-          </a:p>
-        </p:txBody>
-      </p:sp>
-      <p:sp>
-        <p:nvSpPr>
-          <p:cNvPr id="3" name="Content Placeholder 2"/>
-          <p:cNvSpPr>
-            <a:spLocks noGrp="1"/>
-          </p:cNvSpPr>
-          <p:nvPr>
-            <p:ph idx="1"/>
-          </p:nvPr>
-        </p:nvSpPr>
-        <p:spPr/>
-        <p:txBody>
-          <a:bodyPr/>
-          <a:lstStyle/>
-          <a:p>
-            <a:r>
-              <a:t>C, or c, is the third letter in the English and ISO basic Latin alphabets. Its name in English is cee (pronounced ), plural cees.</a:t>
-            </a:r>
-          </a:p>
-          <a:p/>
-          <a:p/>
-          <a:p>
-            <a:r>
-              <a:t>== History ==</a:t>
-            </a:r>
-          </a:p>
-          <a:p>
-            <a:r>
-              <a:t>"C" comes from the same letter as "G". The Semites named it gimel.</a:t>
+            <p:ph type="ctrTitle"/>
+          </p:nvPr>
+        </p:nvSpPr>
+        <p:spPr/>
+        <p:txBody>
+          <a:bodyPr/>
+          <a:lstStyle/>
+          <a:p>
+            <a:r>
+              <a:t>This is in beta</a:t>
+            </a:r>
+          </a:p>
+        </p:txBody>
+      </p:sp>
+      <p:sp>
+        <p:nvSpPr>
+          <p:cNvPr id="3" name="Subtitle 2"/>
+          <p:cNvSpPr>
+            <a:spLocks noGrp="1"/>
+          </p:cNvSpPr>
+          <p:nvPr>
+            <p:ph type="subTitle" idx="1"/>
+          </p:nvPr>
+        </p:nvSpPr>
+        <p:spPr/>
+        <p:txBody>
+          <a:bodyPr/>
+          <a:lstStyle/>
+          <a:p>
+            <a:r>
+              <a:t>So don't expect much</a:t>
             </a:r>
           </a:p>
         </p:txBody>
@@ -3208,7 +3213,7 @@
 </file>
 
 <file path=ppt/slides/slide3.xml><?xml version="1.0" encoding="utf-8"?>
-<p:sld xmlns:a="http://schemas.openxmlformats.org/drawingml/2006/main" xmlns:p="http://schemas.openxmlformats.org/presentationml/2006/main" xmlns:r="http://schemas.openxmlformats.org/officeDocument/2006/relationships">
+<p:sld xmlns:a="http://schemas.openxmlformats.org/drawingml/2006/main" xmlns:r="http://schemas.openxmlformats.org/officeDocument/2006/relationships" xmlns:p="http://schemas.openxmlformats.org/presentationml/2006/main">
   <p:cSld>
     <p:spTree>
       <p:nvGrpSpPr>
@@ -3216,7 +3221,14 @@
         <p:cNvGrpSpPr/>
         <p:nvPr/>
       </p:nvGrpSpPr>
-      <p:grpSpPr/>
+      <p:grpSpPr>
+        <a:xfrm>
+          <a:off x="0" y="0"/>
+          <a:ext cx="0" cy="0"/>
+          <a:chOff x="0" y="0"/>
+          <a:chExt cx="0" cy="0"/>
+        </a:xfrm>
+      </p:grpSpPr>
       <p:sp>
         <p:nvSpPr>
           <p:cNvPr id="2" name="Title 1"/>
@@ -3224,33 +3236,37 @@
             <a:spLocks noGrp="1"/>
           </p:cNvSpPr>
           <p:nvPr>
-            <p:ph type="title"/>
-          </p:nvPr>
-        </p:nvSpPr>
-        <p:spPr/>
-        <p:txBody>
-          <a:bodyPr/>
-          <a:lstStyle/>
-          <a:p/>
-        </p:txBody>
-      </p:sp>
-      <p:sp>
-        <p:nvSpPr>
-          <p:cNvPr id="3" name="Content Placeholder 2"/>
-          <p:cNvSpPr>
-            <a:spLocks noGrp="1"/>
-          </p:cNvSpPr>
-          <p:nvPr>
-            <p:ph idx="1"/>
-          </p:nvPr>
-        </p:nvSpPr>
-        <p:spPr/>
-        <p:txBody>
-          <a:bodyPr/>
-          <a:lstStyle/>
-          <a:p>
-            <a:r>
-              <a:t>Java is a class-based, object-oriented programming language that is designed to have as few implementation dependencies as possible. It is a general-purpose programming language intended to let application developers write once, run anywhere (WORA), meaning that compiled Java code can run on all platforms that support Java without the need for recompilation. Java applications are typically compiled to bytecode that can run on any Java virtual machine (JVM) regardless of the underlying computer architecture. The syntax of Java is similar to C and C++, but has fewer low-level facilities than either of them.</a:t>
+            <p:ph type="ctrTitle"/>
+          </p:nvPr>
+        </p:nvSpPr>
+        <p:spPr/>
+        <p:txBody>
+          <a:bodyPr/>
+          <a:lstStyle/>
+          <a:p>
+            <a:r>
+              <a:t>We can:</a:t>
+            </a:r>
+          </a:p>
+        </p:txBody>
+      </p:sp>
+      <p:sp>
+        <p:nvSpPr>
+          <p:cNvPr id="3" name="Subtitle 2"/>
+          <p:cNvSpPr>
+            <a:spLocks noGrp="1"/>
+          </p:cNvSpPr>
+          <p:nvPr>
+            <p:ph type="subTitle" idx="1"/>
+          </p:nvPr>
+        </p:nvSpPr>
+        <p:spPr/>
+        <p:txBody>
+          <a:bodyPr/>
+          <a:lstStyle/>
+          <a:p>
+            <a:r>
+              <a:t>Search wikipedia!</a:t>
             </a:r>
           </a:p>
         </p:txBody>
@@ -3264,7 +3280,7 @@
 </file>
 
 <file path=ppt/slides/slide4.xml><?xml version="1.0" encoding="utf-8"?>
-<p:sld xmlns:a="http://schemas.openxmlformats.org/drawingml/2006/main" xmlns:p="http://schemas.openxmlformats.org/presentationml/2006/main" xmlns:r="http://schemas.openxmlformats.org/officeDocument/2006/relationships">
+<p:sld xmlns:a="http://schemas.openxmlformats.org/drawingml/2006/main" xmlns:r="http://schemas.openxmlformats.org/officeDocument/2006/relationships" xmlns:p="http://schemas.openxmlformats.org/presentationml/2006/main">
   <p:cSld>
     <p:spTree>
       <p:nvGrpSpPr>
@@ -3272,7 +3288,14 @@
         <p:cNvGrpSpPr/>
         <p:nvPr/>
       </p:nvGrpSpPr>
-      <p:grpSpPr/>
+      <p:grpSpPr>
+        <a:xfrm>
+          <a:off x="0" y="0"/>
+          <a:ext cx="0" cy="0"/>
+          <a:chOff x="0" y="0"/>
+          <a:chExt cx="0" cy="0"/>
+        </a:xfrm>
+      </p:grpSpPr>
       <p:sp>
         <p:nvSpPr>
           <p:cNvPr id="2" name="Title 1"/>
@@ -3289,7 +3312,7 @@
           <a:lstStyle/>
           <a:p>
             <a:r>
-              <a:t>Ruby</a:t>
+              <a:t>Python</a:t>
             </a:r>
           </a:p>
         </p:txBody>
@@ -3310,12 +3333,7 @@
           <a:lstStyle/>
           <a:p>
             <a:r>
-              <a:t>Ruby is an interpreted, high-level, general-purpose programming language. It was designed and developed in the mid-1990s by Yukihiro "Matz" Matsumoto in Japan.</a:t>
-            </a:r>
-          </a:p>
-          <a:p>
-            <a:r>
-              <a:t>Ruby is dynamically typed and uses garbage collection. It supports multiple programming paradigms, including procedural, object-oriented, and functional programming.</a:t>
+              <a:t>Python is an interpreted, high-level and general-purpose programming language. Python's design philosophy emphasizes code readability with its notable use of significant indentation.</a:t>
             </a:r>
           </a:p>
         </p:txBody>
@@ -3329,7 +3347,7 @@
 </file>
 
 <file path=ppt/slides/slide5.xml><?xml version="1.0" encoding="utf-8"?>
-<p:sld xmlns:a="http://schemas.openxmlformats.org/drawingml/2006/main" xmlns:p="http://schemas.openxmlformats.org/presentationml/2006/main" xmlns:r="http://schemas.openxmlformats.org/officeDocument/2006/relationships">
+<p:sld xmlns:a="http://schemas.openxmlformats.org/drawingml/2006/main" xmlns:r="http://schemas.openxmlformats.org/officeDocument/2006/relationships" xmlns:p="http://schemas.openxmlformats.org/presentationml/2006/main">
   <p:cSld>
     <p:spTree>
       <p:nvGrpSpPr>
@@ -3337,49 +3355,38 @@
         <p:cNvGrpSpPr/>
         <p:nvPr/>
       </p:nvGrpSpPr>
-      <p:grpSpPr/>
-      <p:sp>
-        <p:nvSpPr>
-          <p:cNvPr id="2" name="Title 1"/>
-          <p:cNvSpPr>
-            <a:spLocks noGrp="1"/>
-          </p:cNvSpPr>
-          <p:nvPr>
-            <p:ph type="title"/>
-          </p:nvPr>
-        </p:nvSpPr>
-        <p:spPr/>
-        <p:txBody>
-          <a:bodyPr/>
-          <a:lstStyle/>
-          <a:p>
-            <a:r>
-              <a:t>Rust</a:t>
-            </a:r>
-          </a:p>
-        </p:txBody>
-      </p:sp>
-      <p:sp>
-        <p:nvSpPr>
-          <p:cNvPr id="3" name="Content Placeholder 2"/>
-          <p:cNvSpPr>
-            <a:spLocks noGrp="1"/>
-          </p:cNvSpPr>
-          <p:nvPr>
-            <p:ph idx="1"/>
-          </p:nvPr>
-        </p:nvSpPr>
-        <p:spPr/>
-        <p:txBody>
-          <a:bodyPr/>
-          <a:lstStyle/>
-          <a:p>
-            <a:r>
-              <a:t>Rust is a multi-paradigm programming language designed for performance and safety, especially safe concurrency. Rust is syntactically similar to C++, but can guarantee memory safety by using a borrow checker to validate references. Rust achieves memory safety without garbage collection, and reference counting is optional.Rust was originally designed by Graydon Hoare at Mozilla Research, with contributions from Dave Herman, Brendan Eich, and others. The designers refined the language while writing the Servo layout or browser engine, and the Rust compiler.</a:t>
-            </a:r>
-          </a:p>
-        </p:txBody>
-      </p:sp>
+      <p:grpSpPr>
+        <a:xfrm>
+          <a:off x="0" y="0"/>
+          <a:ext cx="0" cy="0"/>
+          <a:chOff x="0" y="0"/>
+          <a:chExt cx="0" cy="0"/>
+        </a:xfrm>
+      </p:grpSpPr>
+      <p:pic>
+        <p:nvPicPr>
+          <p:cNvPr id="2" name="Picture 1" descr="imageA.jpg"/>
+          <p:cNvPicPr>
+            <a:picLocks noChangeAspect="1"/>
+          </p:cNvPicPr>
+          <p:nvPr/>
+        </p:nvPicPr>
+        <p:blipFill>
+          <a:blip r:embed="rId2"/>
+          <a:stretch>
+            <a:fillRect/>
+          </a:stretch>
+        </p:blipFill>
+        <p:spPr>
+          <a:xfrm>
+            <a:off x="914400" y="914400"/>
+            <a:ext cx="3810000" cy="2133600"/>
+          </a:xfrm>
+          <a:prstGeom prst="rect">
+            <a:avLst/>
+          </a:prstGeom>
+        </p:spPr>
+      </p:pic>
     </p:spTree>
   </p:cSld>
   <p:clrMapOvr>
@@ -3389,7 +3396,7 @@
 </file>
 
 <file path=ppt/slides/slide6.xml><?xml version="1.0" encoding="utf-8"?>
-<p:sld xmlns:a="http://schemas.openxmlformats.org/drawingml/2006/main" xmlns:p="http://schemas.openxmlformats.org/presentationml/2006/main" xmlns:r="http://schemas.openxmlformats.org/officeDocument/2006/relationships">
+<p:sld xmlns:a="http://schemas.openxmlformats.org/drawingml/2006/main" xmlns:r="http://schemas.openxmlformats.org/officeDocument/2006/relationships" xmlns:p="http://schemas.openxmlformats.org/presentationml/2006/main">
   <p:cSld>
     <p:spTree>
       <p:nvGrpSpPr>
@@ -3397,7 +3404,14 @@
         <p:cNvGrpSpPr/>
         <p:nvPr/>
       </p:nvGrpSpPr>
-      <p:grpSpPr/>
+      <p:grpSpPr>
+        <a:xfrm>
+          <a:off x="0" y="0"/>
+          <a:ext cx="0" cy="0"/>
+          <a:chOff x="0" y="0"/>
+          <a:chExt cx="0" cy="0"/>
+        </a:xfrm>
+      </p:grpSpPr>
       <p:sp>
         <p:nvSpPr>
           <p:cNvPr id="2" name="Title 1"/>
@@ -3405,38 +3419,50 @@
             <a:spLocks noGrp="1"/>
           </p:cNvSpPr>
           <p:nvPr>
-            <p:ph type="title"/>
-          </p:nvPr>
-        </p:nvSpPr>
-        <p:spPr/>
-        <p:txBody>
-          <a:bodyPr/>
-          <a:lstStyle/>
-          <a:p>
-            <a:r>
-              <a:t>Pearl</a:t>
-            </a:r>
-          </a:p>
-        </p:txBody>
-      </p:sp>
-      <p:sp>
-        <p:nvSpPr>
-          <p:cNvPr id="3" name="Content Placeholder 2"/>
-          <p:cNvSpPr>
-            <a:spLocks noGrp="1"/>
-          </p:cNvSpPr>
-          <p:nvPr>
-            <p:ph idx="1"/>
-          </p:nvPr>
-        </p:nvSpPr>
-        <p:spPr/>
-        <p:txBody>
-          <a:bodyPr/>
-          <a:lstStyle/>
-          <a:p>
-            <a:r>
-              <a:t>PEARL, or Process and experiment automation realtime language, is a computer programming language designed for multitasking and real-time programming. Being a high-level language, it is fairly cross-platform. Since 1977, the language has been going under several standardization steps by the Deutsches Institut für Normung. The current version is PEARL-90, which was standardized in 1998 as DIN 66253-2.</a:t>
-            </a:r>
+            <p:ph type="ctrTitle"/>
+          </p:nvPr>
+        </p:nvSpPr>
+        <p:spPr/>
+        <p:txBody>
+          <a:bodyPr/>
+          <a:lstStyle/>
+          <a:p>
+            <a:r>
+              <a:t>Thanks!</a:t>
+            </a:r>
+          </a:p>
+        </p:txBody>
+      </p:sp>
+      <p:sp>
+        <p:nvSpPr>
+          <p:cNvPr id="3" name="Subtitle 2"/>
+          <p:cNvSpPr>
+            <a:spLocks noGrp="1"/>
+          </p:cNvSpPr>
+          <p:nvPr>
+            <p:ph type="subTitle" idx="1"/>
+          </p:nvPr>
+        </p:nvSpPr>
+        <p:spPr/>
+        <p:txBody>
+          <a:bodyPr/>
+          <a:lstStyle/>
+          <a:p>
+            <a:r>
+              <a:rPr dirty="0" err="1"/>
+              <a:t>Github</a:t>
+            </a:r>
+            <a:r>
+              <a:rPr dirty="0"/>
+              <a:t> - </a:t>
+            </a:r>
+            <a:r>
+              <a:rPr dirty="0">
+                <a:hlinkClick r:id="rId2"/>
+              </a:rPr>
+              <a:t>https://github.com/PranavSandeep/Powerpoint-Writer/tree/master</a:t>
+            </a:r>
+            <a:endParaRPr dirty="0"/>
           </a:p>
         </p:txBody>
       </p:sp>
